--- a/devassets/rules.pptx
+++ b/devassets/rules.pptx
@@ -110,7 +110,16 @@
       </a:defRPr>
     </a:lvl9pPr>
   </p:defaultTextStyle>
+  <p:extLst>
+    <p:ext uri="{EFAFB233-063F-42B5-8137-9DF3F51BA10A}">
+      <p15:sldGuideLst xmlns:p15="http://schemas.microsoft.com/office/powerpoint/2012/main"/>
+    </p:ext>
+  </p:extLst>
 </p:presentation>
+</file>
+
+<file path=ppt/revisionInfo.xml><?xml version="1.0" encoding="utf-8"?>
+<p1510:revInfo xmlns:a="http://schemas.openxmlformats.org/drawingml/2006/main" xmlns:r="http://schemas.openxmlformats.org/officeDocument/2006/relationships" xmlns:p1510="http://schemas.microsoft.com/office/powerpoint/2015/10/main"/>
 </file>
 
 <file path=ppt/slideLayouts/slideLayout1.xml><?xml version="1.0" encoding="utf-8"?>
@@ -244,7 +253,7 @@
           <a:p>
             <a:fld id="{84FBD750-2F1A-44F1-98B1-060100011A32}" type="datetimeFigureOut">
               <a:rPr lang="en-US" smtClean="0"/>
-              <a:t>24-Oct-17</a:t>
+              <a:t>25-Oct-17</a:t>
             </a:fld>
             <a:endParaRPr lang="en-US"/>
           </a:p>
@@ -414,7 +423,7 @@
           <a:p>
             <a:fld id="{84FBD750-2F1A-44F1-98B1-060100011A32}" type="datetimeFigureOut">
               <a:rPr lang="en-US" smtClean="0"/>
-              <a:t>24-Oct-17</a:t>
+              <a:t>25-Oct-17</a:t>
             </a:fld>
             <a:endParaRPr lang="en-US"/>
           </a:p>
@@ -594,7 +603,7 @@
           <a:p>
             <a:fld id="{84FBD750-2F1A-44F1-98B1-060100011A32}" type="datetimeFigureOut">
               <a:rPr lang="en-US" smtClean="0"/>
-              <a:t>24-Oct-17</a:t>
+              <a:t>25-Oct-17</a:t>
             </a:fld>
             <a:endParaRPr lang="en-US"/>
           </a:p>
@@ -764,7 +773,7 @@
           <a:p>
             <a:fld id="{84FBD750-2F1A-44F1-98B1-060100011A32}" type="datetimeFigureOut">
               <a:rPr lang="en-US" smtClean="0"/>
-              <a:t>24-Oct-17</a:t>
+              <a:t>25-Oct-17</a:t>
             </a:fld>
             <a:endParaRPr lang="en-US"/>
           </a:p>
@@ -1008,7 +1017,7 @@
           <a:p>
             <a:fld id="{84FBD750-2F1A-44F1-98B1-060100011A32}" type="datetimeFigureOut">
               <a:rPr lang="en-US" smtClean="0"/>
-              <a:t>24-Oct-17</a:t>
+              <a:t>25-Oct-17</a:t>
             </a:fld>
             <a:endParaRPr lang="en-US"/>
           </a:p>
@@ -1240,7 +1249,7 @@
           <a:p>
             <a:fld id="{84FBD750-2F1A-44F1-98B1-060100011A32}" type="datetimeFigureOut">
               <a:rPr lang="en-US" smtClean="0"/>
-              <a:t>24-Oct-17</a:t>
+              <a:t>25-Oct-17</a:t>
             </a:fld>
             <a:endParaRPr lang="en-US"/>
           </a:p>
@@ -1607,7 +1616,7 @@
           <a:p>
             <a:fld id="{84FBD750-2F1A-44F1-98B1-060100011A32}" type="datetimeFigureOut">
               <a:rPr lang="en-US" smtClean="0"/>
-              <a:t>24-Oct-17</a:t>
+              <a:t>25-Oct-17</a:t>
             </a:fld>
             <a:endParaRPr lang="en-US"/>
           </a:p>
@@ -1725,7 +1734,7 @@
           <a:p>
             <a:fld id="{84FBD750-2F1A-44F1-98B1-060100011A32}" type="datetimeFigureOut">
               <a:rPr lang="en-US" smtClean="0"/>
-              <a:t>24-Oct-17</a:t>
+              <a:t>25-Oct-17</a:t>
             </a:fld>
             <a:endParaRPr lang="en-US"/>
           </a:p>
@@ -1820,7 +1829,7 @@
           <a:p>
             <a:fld id="{84FBD750-2F1A-44F1-98B1-060100011A32}" type="datetimeFigureOut">
               <a:rPr lang="en-US" smtClean="0"/>
-              <a:t>24-Oct-17</a:t>
+              <a:t>25-Oct-17</a:t>
             </a:fld>
             <a:endParaRPr lang="en-US"/>
           </a:p>
@@ -2097,7 +2106,7 @@
           <a:p>
             <a:fld id="{84FBD750-2F1A-44F1-98B1-060100011A32}" type="datetimeFigureOut">
               <a:rPr lang="en-US" smtClean="0"/>
-              <a:t>24-Oct-17</a:t>
+              <a:t>25-Oct-17</a:t>
             </a:fld>
             <a:endParaRPr lang="en-US"/>
           </a:p>
@@ -2354,7 +2363,7 @@
           <a:p>
             <a:fld id="{84FBD750-2F1A-44F1-98B1-060100011A32}" type="datetimeFigureOut">
               <a:rPr lang="en-US" smtClean="0"/>
-              <a:t>24-Oct-17</a:t>
+              <a:t>25-Oct-17</a:t>
             </a:fld>
             <a:endParaRPr lang="en-US"/>
           </a:p>
@@ -2567,7 +2576,7 @@
           <a:p>
             <a:fld id="{84FBD750-2F1A-44F1-98B1-060100011A32}" type="datetimeFigureOut">
               <a:rPr lang="en-US" smtClean="0"/>
-              <a:t>24-Oct-17</a:t>
+              <a:t>25-Oct-17</a:t>
             </a:fld>
             <a:endParaRPr lang="en-US"/>
           </a:p>
@@ -3177,7 +3186,7 @@
               <a:rPr lang="en-US" sz="2600" dirty="0">
                 <a:latin typeface="Exo" panose="02000803000000000000" pitchFamily="2" charset="0"/>
               </a:rPr>
-              <a:t>At the start of the game each player is dealt a hand of six cards. </a:t>
+              <a:t>At the start of the game a card is placed face up on the table; its suit becomes the trump suit. The rest of the deck is placed on top of this card crosswise.</a:t>
             </a:r>
           </a:p>
           <a:p>
@@ -3193,18 +3202,7 @@
               <a:rPr lang="en-US" sz="2600" dirty="0">
                 <a:latin typeface="Exo" panose="02000803000000000000" pitchFamily="2" charset="0"/>
               </a:rPr>
-              <a:t>The next card is placed face up on the table; </a:t>
-            </a:r>
-            <a:br>
-              <a:rPr lang="ru-RU" sz="2600" dirty="0">
-                <a:latin typeface="Exo" panose="02000803000000000000" pitchFamily="2" charset="0"/>
-              </a:rPr>
-            </a:br>
-            <a:r>
-              <a:rPr lang="en-US" sz="2600" dirty="0">
-                <a:latin typeface="Exo" panose="02000803000000000000" pitchFamily="2" charset="0"/>
-              </a:rPr>
-              <a:t>its suit becomes the trump suit. The rest of the deck is placed on top of this card crosswise.</a:t>
+              <a:t>Then each player is dealt a hand of six cards. </a:t>
             </a:r>
           </a:p>
           <a:p>

--- a/devassets/rules.pptx
+++ b/devassets/rules.pptx
@@ -253,7 +253,7 @@
           <a:p>
             <a:fld id="{84FBD750-2F1A-44F1-98B1-060100011A32}" type="datetimeFigureOut">
               <a:rPr lang="en-US" smtClean="0"/>
-              <a:t>25-Oct-17</a:t>
+              <a:t>26-Oct-17</a:t>
             </a:fld>
             <a:endParaRPr lang="en-US"/>
           </a:p>
@@ -423,7 +423,7 @@
           <a:p>
             <a:fld id="{84FBD750-2F1A-44F1-98B1-060100011A32}" type="datetimeFigureOut">
               <a:rPr lang="en-US" smtClean="0"/>
-              <a:t>25-Oct-17</a:t>
+              <a:t>26-Oct-17</a:t>
             </a:fld>
             <a:endParaRPr lang="en-US"/>
           </a:p>
@@ -603,7 +603,7 @@
           <a:p>
             <a:fld id="{84FBD750-2F1A-44F1-98B1-060100011A32}" type="datetimeFigureOut">
               <a:rPr lang="en-US" smtClean="0"/>
-              <a:t>25-Oct-17</a:t>
+              <a:t>26-Oct-17</a:t>
             </a:fld>
             <a:endParaRPr lang="en-US"/>
           </a:p>
@@ -773,7 +773,7 @@
           <a:p>
             <a:fld id="{84FBD750-2F1A-44F1-98B1-060100011A32}" type="datetimeFigureOut">
               <a:rPr lang="en-US" smtClean="0"/>
-              <a:t>25-Oct-17</a:t>
+              <a:t>26-Oct-17</a:t>
             </a:fld>
             <a:endParaRPr lang="en-US"/>
           </a:p>
@@ -1017,7 +1017,7 @@
           <a:p>
             <a:fld id="{84FBD750-2F1A-44F1-98B1-060100011A32}" type="datetimeFigureOut">
               <a:rPr lang="en-US" smtClean="0"/>
-              <a:t>25-Oct-17</a:t>
+              <a:t>26-Oct-17</a:t>
             </a:fld>
             <a:endParaRPr lang="en-US"/>
           </a:p>
@@ -1249,7 +1249,7 @@
           <a:p>
             <a:fld id="{84FBD750-2F1A-44F1-98B1-060100011A32}" type="datetimeFigureOut">
               <a:rPr lang="en-US" smtClean="0"/>
-              <a:t>25-Oct-17</a:t>
+              <a:t>26-Oct-17</a:t>
             </a:fld>
             <a:endParaRPr lang="en-US"/>
           </a:p>
@@ -1616,7 +1616,7 @@
           <a:p>
             <a:fld id="{84FBD750-2F1A-44F1-98B1-060100011A32}" type="datetimeFigureOut">
               <a:rPr lang="en-US" smtClean="0"/>
-              <a:t>25-Oct-17</a:t>
+              <a:t>26-Oct-17</a:t>
             </a:fld>
             <a:endParaRPr lang="en-US"/>
           </a:p>
@@ -1734,7 +1734,7 @@
           <a:p>
             <a:fld id="{84FBD750-2F1A-44F1-98B1-060100011A32}" type="datetimeFigureOut">
               <a:rPr lang="en-US" smtClean="0"/>
-              <a:t>25-Oct-17</a:t>
+              <a:t>26-Oct-17</a:t>
             </a:fld>
             <a:endParaRPr lang="en-US"/>
           </a:p>
@@ -1829,7 +1829,7 @@
           <a:p>
             <a:fld id="{84FBD750-2F1A-44F1-98B1-060100011A32}" type="datetimeFigureOut">
               <a:rPr lang="en-US" smtClean="0"/>
-              <a:t>25-Oct-17</a:t>
+              <a:t>26-Oct-17</a:t>
             </a:fld>
             <a:endParaRPr lang="en-US"/>
           </a:p>
@@ -2106,7 +2106,7 @@
           <a:p>
             <a:fld id="{84FBD750-2F1A-44F1-98B1-060100011A32}" type="datetimeFigureOut">
               <a:rPr lang="en-US" smtClean="0"/>
-              <a:t>25-Oct-17</a:t>
+              <a:t>26-Oct-17</a:t>
             </a:fld>
             <a:endParaRPr lang="en-US"/>
           </a:p>
@@ -2363,7 +2363,7 @@
           <a:p>
             <a:fld id="{84FBD750-2F1A-44F1-98B1-060100011A32}" type="datetimeFigureOut">
               <a:rPr lang="en-US" smtClean="0"/>
-              <a:t>25-Oct-17</a:t>
+              <a:t>26-Oct-17</a:t>
             </a:fld>
             <a:endParaRPr lang="en-US"/>
           </a:p>
@@ -2576,7 +2576,7 @@
           <a:p>
             <a:fld id="{84FBD750-2F1A-44F1-98B1-060100011A32}" type="datetimeFigureOut">
               <a:rPr lang="en-US" smtClean="0"/>
-              <a:t>25-Oct-17</a:t>
+              <a:t>26-Oct-17</a:t>
             </a:fld>
             <a:endParaRPr lang="en-US"/>
           </a:p>
@@ -3783,7 +3783,7 @@
         <p:spPr>
           <a:xfrm>
             <a:off x="0" y="0"/>
-            <a:ext cx="4276727" cy="3431645"/>
+            <a:ext cx="7178676" cy="3431645"/>
           </a:xfrm>
           <a:prstGeom prst="rect">
             <a:avLst/>
@@ -3809,6 +3809,17 @@
                 <a:latin typeface="Exo" panose="02000803000000000000" pitchFamily="2" charset="0"/>
               </a:rPr>
               <a:t>Once the cards are taken or discarded off the table, all players who have fewer than 6 cards draw cards from the top of the deck until it is empty or they have 6 cards again.</a:t>
+            </a:r>
+            <a:br>
+              <a:rPr lang="en-US" sz="2600" dirty="0">
+                <a:latin typeface="Exo" panose="02000803000000000000" pitchFamily="2" charset="0"/>
+              </a:rPr>
+            </a:br>
+            <a:r>
+              <a:rPr lang="en-US" sz="2600" dirty="0">
+                <a:latin typeface="Exo" panose="02000803000000000000" pitchFamily="2" charset="0"/>
+              </a:rPr>
+              <a:t>The attackers draw first in order, the defender draws last. Once the draw phase is over, the next turn begins.</a:t>
             </a:r>
           </a:p>
         </p:txBody>
@@ -3835,38 +3846,8 @@
         </p:blipFill>
         <p:spPr>
           <a:xfrm>
-            <a:off x="4645024" y="852723"/>
+            <a:off x="250578" y="3533779"/>
             <a:ext cx="1991003" cy="2095792"/>
-          </a:xfrm>
-          <a:prstGeom prst="rect">
-            <a:avLst/>
-          </a:prstGeom>
-        </p:spPr>
-      </p:pic>
-      <p:pic>
-        <p:nvPicPr>
-          <p:cNvPr id="6" name="Picture 5">
-            <a:extLst>
-              <a:ext uri="{FF2B5EF4-FFF2-40B4-BE49-F238E27FC236}">
-                <a16:creationId xmlns:a16="http://schemas.microsoft.com/office/drawing/2014/main" id="{CBA3AAA4-B8A6-4A35-A6CB-56C4FF41BDBA}"/>
-              </a:ext>
-            </a:extLst>
-          </p:cNvPr>
-          <p:cNvPicPr>
-            <a:picLocks noChangeAspect="1"/>
-          </p:cNvPicPr>
-          <p:nvPr/>
-        </p:nvPicPr>
-        <p:blipFill>
-          <a:blip r:embed="rId3"/>
-          <a:stretch>
-            <a:fillRect/>
-          </a:stretch>
-        </p:blipFill>
-        <p:spPr>
-          <a:xfrm>
-            <a:off x="47318" y="3990091"/>
-            <a:ext cx="2191056" cy="1638529"/>
           </a:xfrm>
           <a:prstGeom prst="rect">
             <a:avLst/>
@@ -3887,8 +3868,8 @@
         </p:nvSpPr>
         <p:spPr>
           <a:xfrm>
-            <a:off x="2701924" y="3616442"/>
-            <a:ext cx="4476751" cy="2012859"/>
+            <a:off x="2409208" y="3276926"/>
+            <a:ext cx="4769467" cy="2471382"/>
           </a:xfrm>
           <a:prstGeom prst="rect">
             <a:avLst/>
@@ -3913,7 +3894,18 @@
               <a:rPr lang="en-US" sz="2600" dirty="0">
                 <a:latin typeface="Exo" panose="02000803000000000000" pitchFamily="2" charset="0"/>
               </a:rPr>
-              <a:t>The attackers draw first in order, the defender draws last. Once the draw phase is over, the next turn begins.</a:t>
+              <a:t>If the defender has beaten off the attack, he goes next.</a:t>
+            </a:r>
+            <a:br>
+              <a:rPr lang="en-US" sz="2600" dirty="0">
+                <a:latin typeface="Exo" panose="02000803000000000000" pitchFamily="2" charset="0"/>
+              </a:rPr>
+            </a:br>
+            <a:r>
+              <a:rPr lang="en-US" sz="2600" dirty="0">
+                <a:latin typeface="Exo" panose="02000803000000000000" pitchFamily="2" charset="0"/>
+              </a:rPr>
+              <a:t>Otherwise he skips the turn and the player next to him clockwise goes next.</a:t>
             </a:r>
           </a:p>
         </p:txBody>
